--- a/Harihara Sudhan.S Employee_Data_Analysis_2.pptx
+++ b/Harihara Sudhan.S Employee_Data_Analysis_2.pptx
@@ -186,7 +186,6 @@
           </a:p>
         </c:rich>
       </c:tx>
-      <c:layout/>
       <c:overlay val="0"/>
       <c:spPr>
         <a:noFill/>
@@ -1373,11 +1372,11 @@
         </c:dLbls>
         <c:gapWidth val="219"/>
         <c:overlap val="-27"/>
-        <c:axId val="272517496"/>
-        <c:axId val="272514360"/>
+        <c:axId val="314140832"/>
+        <c:axId val="314144752"/>
       </c:barChart>
       <c:catAx>
-        <c:axId val="272517496"/>
+        <c:axId val="314140832"/>
         <c:scaling>
           <c:orientation val="minMax"/>
         </c:scaling>
@@ -1420,7 +1419,7 @@
             <a:endParaRPr lang="en-US"/>
           </a:p>
         </c:txPr>
-        <c:crossAx val="272514360"/>
+        <c:crossAx val="314144752"/>
         <c:crosses val="autoZero"/>
         <c:auto val="1"/>
         <c:lblAlgn val="ctr"/>
@@ -1428,7 +1427,7 @@
         <c:noMultiLvlLbl val="0"/>
       </c:catAx>
       <c:valAx>
-        <c:axId val="272514360"/>
+        <c:axId val="314144752"/>
         <c:scaling>
           <c:orientation val="minMax"/>
         </c:scaling>
@@ -1479,7 +1478,7 @@
             <a:endParaRPr lang="en-US"/>
           </a:p>
         </c:txPr>
-        <c:crossAx val="272517496"/>
+        <c:crossAx val="314140832"/>
         <c:crosses val="autoZero"/>
         <c:crossBetween val="between"/>
       </c:valAx>
@@ -1493,7 +1492,6 @@
     </c:plotArea>
     <c:legend>
       <c:legendPos val="r"/>
-      <c:layout/>
       <c:overlay val="0"/>
       <c:spPr>
         <a:noFill/>
@@ -4694,7 +4692,7 @@
           <p:cNvPr id="14" name="TextBox 13">
             <a:extLst>
               <a:ext uri="{FF2B5EF4-FFF2-40B4-BE49-F238E27FC236}">
-                <a16:creationId xmlns:a16="http://schemas.microsoft.com/office/drawing/2014/main" xmlns="" id="{D55ADE35-C35B-07C1-F5AA-C33B3DDB802E}"/>
+                <a16:creationId xmlns="" xmlns:a16="http://schemas.microsoft.com/office/drawing/2014/main" id="{D55ADE35-C35B-07C1-F5AA-C33B3DDB802E}"/>
               </a:ext>
             </a:extLst>
           </p:cNvPr>
@@ -4765,7 +4763,7 @@
             </a:r>
             <a:r>
               <a:rPr lang="en-GB" sz="2400" dirty="0" smtClean="0"/>
-              <a:t>: 6369277534</a:t>
+              <a:t>: asunm10942510</a:t>
             </a:r>
             <a:endParaRPr lang="en-US" sz="2400" dirty="0"/>
           </a:p>
@@ -5080,7 +5078,7 @@
           <p:cNvPr id="3" name="TextBox 2">
             <a:extLst>
               <a:ext uri="{FF2B5EF4-FFF2-40B4-BE49-F238E27FC236}">
-                <a16:creationId xmlns:a16="http://schemas.microsoft.com/office/drawing/2014/main" xmlns="" id="{929ECE1B-2A9F-E3DD-D6F6-20CF40AFA987}"/>
+                <a16:creationId xmlns="" xmlns:a16="http://schemas.microsoft.com/office/drawing/2014/main" id="{929ECE1B-2A9F-E3DD-D6F6-20CF40AFA987}"/>
               </a:ext>
             </a:extLst>
           </p:cNvPr>
@@ -5478,7 +5476,7 @@
           <p:cNvPr id="2" name="Chart 1">
             <a:extLst>
               <a:ext uri="{FF2B5EF4-FFF2-40B4-BE49-F238E27FC236}">
-                <a16:creationId xmlns:a16="http://schemas.microsoft.com/office/drawing/2014/main" xmlns="" id="{B0A16DBE-9479-E896-D0CB-F0B42A13E2C7}"/>
+                <a16:creationId xmlns="" xmlns:a16="http://schemas.microsoft.com/office/drawing/2014/main" id="{B0A16DBE-9479-E896-D0CB-F0B42A13E2C7}"/>
               </a:ext>
             </a:extLst>
           </p:cNvPr>
@@ -5533,7 +5531,7 @@
           <p:cNvPr id="2" name="Title 1">
             <a:extLst>
               <a:ext uri="{FF2B5EF4-FFF2-40B4-BE49-F238E27FC236}">
-                <a16:creationId xmlns:a16="http://schemas.microsoft.com/office/drawing/2014/main" xmlns="" id="{F9A5CB5B-BDD0-5A64-1A7C-37D3C88F8F9E}"/>
+                <a16:creationId xmlns="" xmlns:a16="http://schemas.microsoft.com/office/drawing/2014/main" id="{F9A5CB5B-BDD0-5A64-1A7C-37D3C88F8F9E}"/>
               </a:ext>
             </a:extLst>
           </p:cNvPr>
@@ -5568,7 +5566,7 @@
           <p:cNvPr id="9" name="TextBox 8">
             <a:extLst>
               <a:ext uri="{FF2B5EF4-FFF2-40B4-BE49-F238E27FC236}">
-                <a16:creationId xmlns:a16="http://schemas.microsoft.com/office/drawing/2014/main" xmlns="" id="{7FFD65C7-A188-0EDA-24F3-A16FC80D5982}"/>
+                <a16:creationId xmlns="" xmlns:a16="http://schemas.microsoft.com/office/drawing/2014/main" id="{7FFD65C7-A188-0EDA-24F3-A16FC80D5982}"/>
               </a:ext>
             </a:extLst>
           </p:cNvPr>
@@ -6440,7 +6438,7 @@
           <p:cNvPr id="23" name="TextBox 22">
             <a:extLst>
               <a:ext uri="{FF2B5EF4-FFF2-40B4-BE49-F238E27FC236}">
-                <a16:creationId xmlns:a16="http://schemas.microsoft.com/office/drawing/2014/main" xmlns="" id="{F691EEC8-E83B-8506-163B-F39E906CCC0A}"/>
+                <a16:creationId xmlns="" xmlns:a16="http://schemas.microsoft.com/office/drawing/2014/main" id="{F691EEC8-E83B-8506-163B-F39E906CCC0A}"/>
               </a:ext>
             </a:extLst>
           </p:cNvPr>
@@ -7696,7 +7694,7 @@
           <p:cNvPr id="23" name="TextBox 22">
             <a:extLst>
               <a:ext uri="{FF2B5EF4-FFF2-40B4-BE49-F238E27FC236}">
-                <a16:creationId xmlns:a16="http://schemas.microsoft.com/office/drawing/2014/main" xmlns="" id="{D0827FA3-A9D4-0FE5-45BE-664C8C920E82}"/>
+                <a16:creationId xmlns="" xmlns:a16="http://schemas.microsoft.com/office/drawing/2014/main" id="{D0827FA3-A9D4-0FE5-45BE-664C8C920E82}"/>
               </a:ext>
             </a:extLst>
           </p:cNvPr>
@@ -8216,7 +8214,7 @@
           <p:cNvPr id="9" name="TextBox 8">
             <a:extLst>
               <a:ext uri="{FF2B5EF4-FFF2-40B4-BE49-F238E27FC236}">
-                <a16:creationId xmlns:a16="http://schemas.microsoft.com/office/drawing/2014/main" xmlns="" id="{B4E4F71B-DC6B-8145-9574-B042C1AC231A}"/>
+                <a16:creationId xmlns="" xmlns:a16="http://schemas.microsoft.com/office/drawing/2014/main" id="{B4E4F71B-DC6B-8145-9574-B042C1AC231A}"/>
               </a:ext>
             </a:extLst>
           </p:cNvPr>
@@ -8255,7 +8253,7 @@
           <p:cNvPr id="12" name="TextBox 11">
             <a:extLst>
               <a:ext uri="{FF2B5EF4-FFF2-40B4-BE49-F238E27FC236}">
-                <a16:creationId xmlns:a16="http://schemas.microsoft.com/office/drawing/2014/main" xmlns="" id="{6081A71F-1E8C-1AF1-8429-B9623CF8ECAB}"/>
+                <a16:creationId xmlns="" xmlns:a16="http://schemas.microsoft.com/office/drawing/2014/main" id="{6081A71F-1E8C-1AF1-8429-B9623CF8ECAB}"/>
               </a:ext>
             </a:extLst>
           </p:cNvPr>
@@ -8561,7 +8559,7 @@
           <p:cNvPr id="11" name="TextBox 10">
             <a:extLst>
               <a:ext uri="{FF2B5EF4-FFF2-40B4-BE49-F238E27FC236}">
-                <a16:creationId xmlns:a16="http://schemas.microsoft.com/office/drawing/2014/main" xmlns="" id="{634501C3-54DD-6E10-582E-C1B199899F8C}"/>
+                <a16:creationId xmlns="" xmlns:a16="http://schemas.microsoft.com/office/drawing/2014/main" id="{634501C3-54DD-6E10-582E-C1B199899F8C}"/>
               </a:ext>
             </a:extLst>
           </p:cNvPr>
@@ -8899,7 +8897,7 @@
           <p:cNvPr id="9" name="TextBox 8">
             <a:extLst>
               <a:ext uri="{FF2B5EF4-FFF2-40B4-BE49-F238E27FC236}">
-                <a16:creationId xmlns:a16="http://schemas.microsoft.com/office/drawing/2014/main" xmlns="" id="{32A0C787-36E8-6F5D-B477-FF63F5FC2CD9}"/>
+                <a16:creationId xmlns="" xmlns:a16="http://schemas.microsoft.com/office/drawing/2014/main" id="{32A0C787-36E8-6F5D-B477-FF63F5FC2CD9}"/>
               </a:ext>
             </a:extLst>
           </p:cNvPr>
@@ -9342,7 +9340,7 @@
           <p:cNvPr id="10" name="TextBox 9">
             <a:extLst>
               <a:ext uri="{FF2B5EF4-FFF2-40B4-BE49-F238E27FC236}">
-                <a16:creationId xmlns:a16="http://schemas.microsoft.com/office/drawing/2014/main" xmlns="" id="{ADE33B18-4460-2428-7304-9A474CBAB617}"/>
+                <a16:creationId xmlns="" xmlns:a16="http://schemas.microsoft.com/office/drawing/2014/main" id="{ADE33B18-4460-2428-7304-9A474CBAB617}"/>
               </a:ext>
             </a:extLst>
           </p:cNvPr>
@@ -9375,7 +9373,7 @@
           <p:cNvPr id="11" name="TextBox 10">
             <a:extLst>
               <a:ext uri="{FF2B5EF4-FFF2-40B4-BE49-F238E27FC236}">
-                <a16:creationId xmlns:a16="http://schemas.microsoft.com/office/drawing/2014/main" xmlns="" id="{473EECBB-C76B-4E6E-4551-1CC1A7C6237C}"/>
+                <a16:creationId xmlns="" xmlns:a16="http://schemas.microsoft.com/office/drawing/2014/main" id="{473EECBB-C76B-4E6E-4551-1CC1A7C6237C}"/>
               </a:ext>
             </a:extLst>
           </p:cNvPr>
@@ -9498,7 +9496,7 @@
           <p:cNvPr id="2" name="Title 1">
             <a:extLst>
               <a:ext uri="{FF2B5EF4-FFF2-40B4-BE49-F238E27FC236}">
-                <a16:creationId xmlns:a16="http://schemas.microsoft.com/office/drawing/2014/main" xmlns="" id="{6E06195E-16D6-79D8-7A9F-F8EB1FE9E212}"/>
+                <a16:creationId xmlns="" xmlns:a16="http://schemas.microsoft.com/office/drawing/2014/main" id="{6E06195E-16D6-79D8-7A9F-F8EB1FE9E212}"/>
               </a:ext>
             </a:extLst>
           </p:cNvPr>
@@ -9526,7 +9524,7 @@
           <p:cNvPr id="5" name="TextBox 4">
             <a:extLst>
               <a:ext uri="{FF2B5EF4-FFF2-40B4-BE49-F238E27FC236}">
-                <a16:creationId xmlns:a16="http://schemas.microsoft.com/office/drawing/2014/main" xmlns="" id="{F9E52BE4-F635-743D-AC39-D7C3A493B15A}"/>
+                <a16:creationId xmlns="" xmlns:a16="http://schemas.microsoft.com/office/drawing/2014/main" id="{F9E52BE4-F635-743D-AC39-D7C3A493B15A}"/>
               </a:ext>
             </a:extLst>
           </p:cNvPr>
@@ -10065,7 +10063,7 @@
           <p:cNvPr id="9" name="TextBox 8">
             <a:extLst>
               <a:ext uri="{FF2B5EF4-FFF2-40B4-BE49-F238E27FC236}">
-                <a16:creationId xmlns:a16="http://schemas.microsoft.com/office/drawing/2014/main" xmlns="" id="{FAD9CEB2-36E1-0550-426B-2FAF97882044}"/>
+                <a16:creationId xmlns="" xmlns:a16="http://schemas.microsoft.com/office/drawing/2014/main" id="{FAD9CEB2-36E1-0550-426B-2FAF97882044}"/>
               </a:ext>
             </a:extLst>
           </p:cNvPr>
